--- a/[JAVA]/C4/TA22/ta22.pptx
+++ b/[JAVA]/C4/TA22/ta22.pptx
@@ -13,6 +13,8 @@
     <p:sldId id="272" r:id="rId7"/>
     <p:sldId id="273" r:id="rId8"/>
     <p:sldId id="274" r:id="rId9"/>
+    <p:sldId id="275" r:id="rId10"/>
+    <p:sldId id="276" r:id="rId11"/>
   </p:sldIdLst>
   <p:sldSz cx="12192000" cy="6858000"/>
   <p:notesSz cx="6858000" cy="9144000"/>
@@ -3438,6 +3440,829 @@
 </p:sld>
 </file>
 
+<file path=ppt/slides/slide10.xml><?xml version="1.0" encoding="utf-8"?>
+<p:sld xmlns:a="http://schemas.openxmlformats.org/drawingml/2006/main" xmlns:r="http://schemas.openxmlformats.org/officeDocument/2006/relationships" xmlns:p="http://schemas.openxmlformats.org/presentationml/2006/main">
+  <p:cSld>
+    <p:spTree>
+      <p:nvGrpSpPr>
+        <p:cNvPr id="1" name=""/>
+        <p:cNvGrpSpPr/>
+        <p:nvPr/>
+      </p:nvGrpSpPr>
+      <p:grpSpPr>
+        <a:xfrm>
+          <a:off x="0" y="0"/>
+          <a:ext cx="0" cy="0"/>
+          <a:chOff x="0" y="0"/>
+          <a:chExt cx="0" cy="0"/>
+        </a:xfrm>
+      </p:grpSpPr>
+      <p:sp>
+        <p:nvSpPr>
+          <p:cNvPr id="2" name="Elipse 1">
+            <a:extLst>
+              <a:ext uri="{FF2B5EF4-FFF2-40B4-BE49-F238E27FC236}">
+                <a16:creationId xmlns:a16="http://schemas.microsoft.com/office/drawing/2014/main" id="{40F19A1A-1522-FA9F-F64F-FBE86A65FE3B}"/>
+              </a:ext>
+            </a:extLst>
+          </p:cNvPr>
+          <p:cNvSpPr/>
+          <p:nvPr/>
+        </p:nvSpPr>
+        <p:spPr>
+          <a:xfrm>
+            <a:off x="11322870" y="142839"/>
+            <a:ext cx="629265" cy="629265"/>
+          </a:xfrm>
+          <a:prstGeom prst="ellipse">
+            <a:avLst/>
+          </a:prstGeom>
+        </p:spPr>
+        <p:style>
+          <a:lnRef idx="2">
+            <a:schemeClr val="accent1">
+              <a:shade val="15000"/>
+            </a:schemeClr>
+          </a:lnRef>
+          <a:fillRef idx="1">
+            <a:schemeClr val="accent1"/>
+          </a:fillRef>
+          <a:effectRef idx="0">
+            <a:schemeClr val="accent1"/>
+          </a:effectRef>
+          <a:fontRef idx="minor">
+            <a:schemeClr val="lt1"/>
+          </a:fontRef>
+        </p:style>
+        <p:txBody>
+          <a:bodyPr rtlCol="0" anchor="ctr"/>
+          <a:lstStyle/>
+          <a:p>
+            <a:pPr algn="ctr"/>
+            <a:r>
+              <a:rPr lang="es-ES" sz="3200" b="1" dirty="0"/>
+              <a:t>2</a:t>
+            </a:r>
+          </a:p>
+        </p:txBody>
+      </p:sp>
+      <p:grpSp>
+        <p:nvGrpSpPr>
+          <p:cNvPr id="3" name="Grupo 2">
+            <a:extLst>
+              <a:ext uri="{FF2B5EF4-FFF2-40B4-BE49-F238E27FC236}">
+                <a16:creationId xmlns:a16="http://schemas.microsoft.com/office/drawing/2014/main" id="{C82D6025-8DBA-DA05-77F2-5F17A3482730}"/>
+              </a:ext>
+            </a:extLst>
+          </p:cNvPr>
+          <p:cNvGrpSpPr/>
+          <p:nvPr/>
+        </p:nvGrpSpPr>
+        <p:grpSpPr>
+          <a:xfrm>
+            <a:off x="4007753" y="0"/>
+            <a:ext cx="4560305" cy="1800810"/>
+            <a:chOff x="6308502" y="3075991"/>
+            <a:chExt cx="4560305" cy="1800810"/>
+          </a:xfrm>
+        </p:grpSpPr>
+        <p:pic>
+          <p:nvPicPr>
+            <p:cNvPr id="22" name="Imagen 21">
+              <a:extLst>
+                <a:ext uri="{FF2B5EF4-FFF2-40B4-BE49-F238E27FC236}">
+                  <a16:creationId xmlns:a16="http://schemas.microsoft.com/office/drawing/2014/main" id="{CFDB53D5-DDDF-89B0-24BF-72BED63615F7}"/>
+                </a:ext>
+              </a:extLst>
+            </p:cNvPr>
+            <p:cNvPicPr>
+              <a:picLocks noChangeAspect="1"/>
+            </p:cNvPicPr>
+            <p:nvPr/>
+          </p:nvPicPr>
+          <p:blipFill>
+            <a:blip r:embed="rId2"/>
+            <a:stretch>
+              <a:fillRect/>
+            </a:stretch>
+          </p:blipFill>
+          <p:spPr>
+            <a:xfrm>
+              <a:off x="6308502" y="3332475"/>
+              <a:ext cx="4560305" cy="1544326"/>
+            </a:xfrm>
+            <a:prstGeom prst="rect">
+              <a:avLst/>
+            </a:prstGeom>
+          </p:spPr>
+        </p:pic>
+        <p:sp>
+          <p:nvSpPr>
+            <p:cNvPr id="25" name="CuadroTexto 24">
+              <a:extLst>
+                <a:ext uri="{FF2B5EF4-FFF2-40B4-BE49-F238E27FC236}">
+                  <a16:creationId xmlns:a16="http://schemas.microsoft.com/office/drawing/2014/main" id="{7AD62EE5-8B95-FC8F-3A14-DBE95ABB6B42}"/>
+                </a:ext>
+              </a:extLst>
+            </p:cNvPr>
+            <p:cNvSpPr txBox="1"/>
+            <p:nvPr/>
+          </p:nvSpPr>
+          <p:spPr>
+            <a:xfrm>
+              <a:off x="6538453" y="3075991"/>
+              <a:ext cx="4080386" cy="400110"/>
+            </a:xfrm>
+            <a:prstGeom prst="rect">
+              <a:avLst/>
+            </a:prstGeom>
+            <a:noFill/>
+          </p:spPr>
+          <p:txBody>
+            <a:bodyPr wrap="square" rtlCol="0">
+              <a:spAutoFit/>
+            </a:bodyPr>
+            <a:lstStyle/>
+            <a:p>
+              <a:pPr algn="ctr"/>
+              <a:r>
+                <a:rPr lang="es-ES" sz="2000" b="1" u="sng" dirty="0"/>
+                <a:t>Selector acciones a realizar</a:t>
+              </a:r>
+            </a:p>
+          </p:txBody>
+        </p:sp>
+      </p:grpSp>
+      <p:pic>
+        <p:nvPicPr>
+          <p:cNvPr id="6" name="Imagen 5">
+            <a:extLst>
+              <a:ext uri="{FF2B5EF4-FFF2-40B4-BE49-F238E27FC236}">
+                <a16:creationId xmlns:a16="http://schemas.microsoft.com/office/drawing/2014/main" id="{48FD7F7E-1528-72C2-624C-F2788E34A15B}"/>
+              </a:ext>
+            </a:extLst>
+          </p:cNvPr>
+          <p:cNvPicPr>
+            <a:picLocks noChangeAspect="1"/>
+          </p:cNvPicPr>
+          <p:nvPr/>
+        </p:nvPicPr>
+        <p:blipFill>
+          <a:blip r:embed="rId3"/>
+          <a:stretch>
+            <a:fillRect/>
+          </a:stretch>
+        </p:blipFill>
+        <p:spPr>
+          <a:xfrm>
+            <a:off x="239865" y="950757"/>
+            <a:ext cx="3206601" cy="2245495"/>
+          </a:xfrm>
+          <a:prstGeom prst="rect">
+            <a:avLst/>
+          </a:prstGeom>
+        </p:spPr>
+      </p:pic>
+      <p:pic>
+        <p:nvPicPr>
+          <p:cNvPr id="12" name="Imagen 11">
+            <a:extLst>
+              <a:ext uri="{FF2B5EF4-FFF2-40B4-BE49-F238E27FC236}">
+                <a16:creationId xmlns:a16="http://schemas.microsoft.com/office/drawing/2014/main" id="{861527F2-7F89-85FC-11AA-3906DCE10794}"/>
+              </a:ext>
+            </a:extLst>
+          </p:cNvPr>
+          <p:cNvPicPr>
+            <a:picLocks noChangeAspect="1"/>
+          </p:cNvPicPr>
+          <p:nvPr/>
+        </p:nvPicPr>
+        <p:blipFill>
+          <a:blip r:embed="rId4"/>
+          <a:stretch>
+            <a:fillRect/>
+          </a:stretch>
+        </p:blipFill>
+        <p:spPr>
+          <a:xfrm>
+            <a:off x="784436" y="3661749"/>
+            <a:ext cx="5315926" cy="3187818"/>
+          </a:xfrm>
+          <a:prstGeom prst="rect">
+            <a:avLst/>
+          </a:prstGeom>
+        </p:spPr>
+      </p:pic>
+      <p:pic>
+        <p:nvPicPr>
+          <p:cNvPr id="16" name="Imagen 15">
+            <a:extLst>
+              <a:ext uri="{FF2B5EF4-FFF2-40B4-BE49-F238E27FC236}">
+                <a16:creationId xmlns:a16="http://schemas.microsoft.com/office/drawing/2014/main" id="{384C0157-61D8-4EBB-62B2-DEC8B2610145}"/>
+              </a:ext>
+            </a:extLst>
+          </p:cNvPr>
+          <p:cNvPicPr>
+            <a:picLocks noChangeAspect="1"/>
+          </p:cNvPicPr>
+          <p:nvPr/>
+        </p:nvPicPr>
+        <p:blipFill>
+          <a:blip r:embed="rId5"/>
+          <a:stretch>
+            <a:fillRect/>
+          </a:stretch>
+        </p:blipFill>
+        <p:spPr>
+          <a:xfrm>
+            <a:off x="6646317" y="4269016"/>
+            <a:ext cx="3343545" cy="2332500"/>
+          </a:xfrm>
+          <a:prstGeom prst="rect">
+            <a:avLst/>
+          </a:prstGeom>
+        </p:spPr>
+      </p:pic>
+      <p:pic>
+        <p:nvPicPr>
+          <p:cNvPr id="20" name="Imagen 19">
+            <a:extLst>
+              <a:ext uri="{FF2B5EF4-FFF2-40B4-BE49-F238E27FC236}">
+                <a16:creationId xmlns:a16="http://schemas.microsoft.com/office/drawing/2014/main" id="{14B896B6-07B6-F47D-AF2F-97009E74FD25}"/>
+              </a:ext>
+            </a:extLst>
+          </p:cNvPr>
+          <p:cNvPicPr>
+            <a:picLocks noChangeAspect="1"/>
+          </p:cNvPicPr>
+          <p:nvPr/>
+        </p:nvPicPr>
+        <p:blipFill>
+          <a:blip r:embed="rId6"/>
+          <a:stretch>
+            <a:fillRect/>
+          </a:stretch>
+        </p:blipFill>
+        <p:spPr>
+          <a:xfrm>
+            <a:off x="8785249" y="1752417"/>
+            <a:ext cx="3295090" cy="2261510"/>
+          </a:xfrm>
+          <a:prstGeom prst="rect">
+            <a:avLst/>
+          </a:prstGeom>
+        </p:spPr>
+      </p:pic>
+      <p:sp>
+        <p:nvSpPr>
+          <p:cNvPr id="21" name="Rectángulo 20">
+            <a:extLst>
+              <a:ext uri="{FF2B5EF4-FFF2-40B4-BE49-F238E27FC236}">
+                <a16:creationId xmlns:a16="http://schemas.microsoft.com/office/drawing/2014/main" id="{9E80C3C8-5AC0-7CA9-611C-4D3E78556160}"/>
+              </a:ext>
+            </a:extLst>
+          </p:cNvPr>
+          <p:cNvSpPr/>
+          <p:nvPr/>
+        </p:nvSpPr>
+        <p:spPr>
+          <a:xfrm>
+            <a:off x="4080387" y="1214616"/>
+            <a:ext cx="806246" cy="400110"/>
+          </a:xfrm>
+          <a:prstGeom prst="rect">
+            <a:avLst/>
+          </a:prstGeom>
+          <a:noFill/>
+          <a:ln w="28575">
+            <a:solidFill>
+              <a:srgbClr val="00B050"/>
+            </a:solidFill>
+          </a:ln>
+        </p:spPr>
+        <p:style>
+          <a:lnRef idx="2">
+            <a:schemeClr val="accent1">
+              <a:shade val="15000"/>
+            </a:schemeClr>
+          </a:lnRef>
+          <a:fillRef idx="1">
+            <a:schemeClr val="accent1"/>
+          </a:fillRef>
+          <a:effectRef idx="0">
+            <a:schemeClr val="accent1"/>
+          </a:effectRef>
+          <a:fontRef idx="minor">
+            <a:schemeClr val="lt1"/>
+          </a:fontRef>
+        </p:style>
+        <p:txBody>
+          <a:bodyPr rtlCol="0" anchor="ctr"/>
+          <a:lstStyle/>
+          <a:p>
+            <a:pPr algn="ctr"/>
+            <a:endParaRPr lang="es-ES" dirty="0"/>
+          </a:p>
+        </p:txBody>
+      </p:sp>
+      <p:sp>
+        <p:nvSpPr>
+          <p:cNvPr id="26" name="Rectángulo 25">
+            <a:extLst>
+              <a:ext uri="{FF2B5EF4-FFF2-40B4-BE49-F238E27FC236}">
+                <a16:creationId xmlns:a16="http://schemas.microsoft.com/office/drawing/2014/main" id="{84E8935F-DABE-8F47-CAAD-4AAB5D339AEF}"/>
+              </a:ext>
+            </a:extLst>
+          </p:cNvPr>
+          <p:cNvSpPr/>
+          <p:nvPr/>
+        </p:nvSpPr>
+        <p:spPr>
+          <a:xfrm>
+            <a:off x="4933217" y="1214616"/>
+            <a:ext cx="806246" cy="400110"/>
+          </a:xfrm>
+          <a:prstGeom prst="rect">
+            <a:avLst/>
+          </a:prstGeom>
+          <a:noFill/>
+          <a:ln w="28575">
+            <a:solidFill>
+              <a:srgbClr val="00B0F0"/>
+            </a:solidFill>
+          </a:ln>
+        </p:spPr>
+        <p:style>
+          <a:lnRef idx="2">
+            <a:schemeClr val="accent1">
+              <a:shade val="15000"/>
+            </a:schemeClr>
+          </a:lnRef>
+          <a:fillRef idx="1">
+            <a:schemeClr val="accent1"/>
+          </a:fillRef>
+          <a:effectRef idx="0">
+            <a:schemeClr val="accent1"/>
+          </a:effectRef>
+          <a:fontRef idx="minor">
+            <a:schemeClr val="lt1"/>
+          </a:fontRef>
+        </p:style>
+        <p:txBody>
+          <a:bodyPr rtlCol="0" anchor="ctr"/>
+          <a:lstStyle/>
+          <a:p>
+            <a:pPr algn="ctr"/>
+            <a:endParaRPr lang="es-ES" dirty="0"/>
+          </a:p>
+        </p:txBody>
+      </p:sp>
+      <p:sp>
+        <p:nvSpPr>
+          <p:cNvPr id="27" name="Rectángulo 26">
+            <a:extLst>
+              <a:ext uri="{FF2B5EF4-FFF2-40B4-BE49-F238E27FC236}">
+                <a16:creationId xmlns:a16="http://schemas.microsoft.com/office/drawing/2014/main" id="{65C49EDE-00B4-9FD2-29D7-6FD0880BE740}"/>
+              </a:ext>
+            </a:extLst>
+          </p:cNvPr>
+          <p:cNvSpPr/>
+          <p:nvPr/>
+        </p:nvSpPr>
+        <p:spPr>
+          <a:xfrm>
+            <a:off x="5830239" y="1216123"/>
+            <a:ext cx="806246" cy="400110"/>
+          </a:xfrm>
+          <a:prstGeom prst="rect">
+            <a:avLst/>
+          </a:prstGeom>
+          <a:noFill/>
+          <a:ln w="28575">
+            <a:solidFill>
+              <a:srgbClr val="0070C0"/>
+            </a:solidFill>
+          </a:ln>
+        </p:spPr>
+        <p:style>
+          <a:lnRef idx="2">
+            <a:schemeClr val="accent1">
+              <a:shade val="15000"/>
+            </a:schemeClr>
+          </a:lnRef>
+          <a:fillRef idx="1">
+            <a:schemeClr val="accent1"/>
+          </a:fillRef>
+          <a:effectRef idx="0">
+            <a:schemeClr val="accent1"/>
+          </a:effectRef>
+          <a:fontRef idx="minor">
+            <a:schemeClr val="lt1"/>
+          </a:fontRef>
+        </p:style>
+        <p:txBody>
+          <a:bodyPr rtlCol="0" anchor="ctr"/>
+          <a:lstStyle/>
+          <a:p>
+            <a:pPr algn="ctr"/>
+            <a:endParaRPr lang="es-ES" dirty="0"/>
+          </a:p>
+        </p:txBody>
+      </p:sp>
+      <p:sp>
+        <p:nvSpPr>
+          <p:cNvPr id="28" name="Rectángulo 27">
+            <a:extLst>
+              <a:ext uri="{FF2B5EF4-FFF2-40B4-BE49-F238E27FC236}">
+                <a16:creationId xmlns:a16="http://schemas.microsoft.com/office/drawing/2014/main" id="{1B332717-4322-B72A-281F-C8F662E72D26}"/>
+              </a:ext>
+            </a:extLst>
+          </p:cNvPr>
+          <p:cNvSpPr/>
+          <p:nvPr/>
+        </p:nvSpPr>
+        <p:spPr>
+          <a:xfrm>
+            <a:off x="6683069" y="1216123"/>
+            <a:ext cx="806246" cy="400110"/>
+          </a:xfrm>
+          <a:prstGeom prst="rect">
+            <a:avLst/>
+          </a:prstGeom>
+          <a:noFill/>
+          <a:ln w="28575">
+            <a:solidFill>
+              <a:srgbClr val="FF0000"/>
+            </a:solidFill>
+          </a:ln>
+        </p:spPr>
+        <p:style>
+          <a:lnRef idx="2">
+            <a:schemeClr val="accent1">
+              <a:shade val="15000"/>
+            </a:schemeClr>
+          </a:lnRef>
+          <a:fillRef idx="1">
+            <a:schemeClr val="accent1"/>
+          </a:fillRef>
+          <a:effectRef idx="0">
+            <a:schemeClr val="accent1"/>
+          </a:effectRef>
+          <a:fontRef idx="minor">
+            <a:schemeClr val="lt1"/>
+          </a:fontRef>
+        </p:style>
+        <p:txBody>
+          <a:bodyPr rtlCol="0" anchor="ctr"/>
+          <a:lstStyle/>
+          <a:p>
+            <a:pPr algn="ctr"/>
+            <a:endParaRPr lang="es-ES" dirty="0"/>
+          </a:p>
+        </p:txBody>
+      </p:sp>
+      <p:cxnSp>
+        <p:nvCxnSpPr>
+          <p:cNvPr id="29" name="Conector: angular 28">
+            <a:extLst>
+              <a:ext uri="{FF2B5EF4-FFF2-40B4-BE49-F238E27FC236}">
+                <a16:creationId xmlns:a16="http://schemas.microsoft.com/office/drawing/2014/main" id="{90E6E737-96B2-011B-4F5D-E321D6A3133C}"/>
+              </a:ext>
+            </a:extLst>
+          </p:cNvPr>
+          <p:cNvCxnSpPr>
+            <a:cxnSpLocks/>
+            <a:endCxn id="6" idx="3"/>
+          </p:cNvCxnSpPr>
+          <p:nvPr/>
+        </p:nvCxnSpPr>
+        <p:spPr>
+          <a:xfrm rot="10800000" flipV="1">
+            <a:off x="3446467" y="1614725"/>
+            <a:ext cx="611957" cy="458779"/>
+          </a:xfrm>
+          <a:prstGeom prst="bentConnector3">
+            <a:avLst>
+              <a:gd name="adj1" fmla="val 50000"/>
+            </a:avLst>
+          </a:prstGeom>
+          <a:ln w="28575">
+            <a:solidFill>
+              <a:srgbClr val="00B050"/>
+            </a:solidFill>
+            <a:tailEnd type="triangle"/>
+          </a:ln>
+        </p:spPr>
+        <p:style>
+          <a:lnRef idx="2">
+            <a:schemeClr val="accent1"/>
+          </a:lnRef>
+          <a:fillRef idx="0">
+            <a:schemeClr val="accent1"/>
+          </a:fillRef>
+          <a:effectRef idx="1">
+            <a:schemeClr val="accent1"/>
+          </a:effectRef>
+          <a:fontRef idx="minor">
+            <a:schemeClr val="tx1"/>
+          </a:fontRef>
+        </p:style>
+      </p:cxnSp>
+      <p:cxnSp>
+        <p:nvCxnSpPr>
+          <p:cNvPr id="35" name="Conector: angular 34">
+            <a:extLst>
+              <a:ext uri="{FF2B5EF4-FFF2-40B4-BE49-F238E27FC236}">
+                <a16:creationId xmlns:a16="http://schemas.microsoft.com/office/drawing/2014/main" id="{E02FEE78-E6D1-3E90-49C7-47A6BFFF0501}"/>
+              </a:ext>
+            </a:extLst>
+          </p:cNvPr>
+          <p:cNvCxnSpPr>
+            <a:cxnSpLocks/>
+            <a:stCxn id="26" idx="2"/>
+          </p:cNvCxnSpPr>
+          <p:nvPr/>
+        </p:nvCxnSpPr>
+        <p:spPr>
+          <a:xfrm rot="5400000">
+            <a:off x="3724164" y="2049572"/>
+            <a:ext cx="2047023" cy="1177330"/>
+          </a:xfrm>
+          <a:prstGeom prst="bentConnector3">
+            <a:avLst>
+              <a:gd name="adj1" fmla="val 50000"/>
+            </a:avLst>
+          </a:prstGeom>
+          <a:ln w="28575">
+            <a:solidFill>
+              <a:srgbClr val="00B0F0"/>
+            </a:solidFill>
+            <a:tailEnd type="triangle"/>
+          </a:ln>
+        </p:spPr>
+        <p:style>
+          <a:lnRef idx="2">
+            <a:schemeClr val="accent1"/>
+          </a:lnRef>
+          <a:fillRef idx="0">
+            <a:schemeClr val="accent1"/>
+          </a:fillRef>
+          <a:effectRef idx="1">
+            <a:schemeClr val="accent1"/>
+          </a:effectRef>
+          <a:fontRef idx="minor">
+            <a:schemeClr val="tx1"/>
+          </a:fontRef>
+        </p:style>
+      </p:cxnSp>
+      <p:cxnSp>
+        <p:nvCxnSpPr>
+          <p:cNvPr id="39" name="Conector: angular 38">
+            <a:extLst>
+              <a:ext uri="{FF2B5EF4-FFF2-40B4-BE49-F238E27FC236}">
+                <a16:creationId xmlns:a16="http://schemas.microsoft.com/office/drawing/2014/main" id="{D9742320-CE34-D6D7-6198-8F1A63F7F5F2}"/>
+              </a:ext>
+            </a:extLst>
+          </p:cNvPr>
+          <p:cNvCxnSpPr>
+            <a:cxnSpLocks/>
+          </p:cNvCxnSpPr>
+          <p:nvPr/>
+        </p:nvCxnSpPr>
+        <p:spPr>
+          <a:xfrm rot="16200000" flipH="1">
+            <a:off x="5369843" y="2504713"/>
+            <a:ext cx="2749198" cy="933092"/>
+          </a:xfrm>
+          <a:prstGeom prst="bentConnector3">
+            <a:avLst>
+              <a:gd name="adj1" fmla="val 50000"/>
+            </a:avLst>
+          </a:prstGeom>
+          <a:ln w="28575">
+            <a:solidFill>
+              <a:srgbClr val="0070C0"/>
+            </a:solidFill>
+            <a:tailEnd type="triangle"/>
+          </a:ln>
+        </p:spPr>
+        <p:style>
+          <a:lnRef idx="2">
+            <a:schemeClr val="accent1"/>
+          </a:lnRef>
+          <a:fillRef idx="0">
+            <a:schemeClr val="accent1"/>
+          </a:fillRef>
+          <a:effectRef idx="1">
+            <a:schemeClr val="accent1"/>
+          </a:effectRef>
+          <a:fontRef idx="minor">
+            <a:schemeClr val="tx1"/>
+          </a:fontRef>
+        </p:style>
+      </p:cxnSp>
+      <p:cxnSp>
+        <p:nvCxnSpPr>
+          <p:cNvPr id="52" name="Conector: angular 51">
+            <a:extLst>
+              <a:ext uri="{FF2B5EF4-FFF2-40B4-BE49-F238E27FC236}">
+                <a16:creationId xmlns:a16="http://schemas.microsoft.com/office/drawing/2014/main" id="{49A7A8D2-3515-6836-9292-A146E6A15845}"/>
+              </a:ext>
+            </a:extLst>
+          </p:cNvPr>
+          <p:cNvCxnSpPr>
+            <a:cxnSpLocks/>
+            <a:endCxn id="20" idx="1"/>
+          </p:cNvCxnSpPr>
+          <p:nvPr/>
+        </p:nvCxnSpPr>
+        <p:spPr>
+          <a:xfrm>
+            <a:off x="7197772" y="1614726"/>
+            <a:ext cx="1587477" cy="1268446"/>
+          </a:xfrm>
+          <a:prstGeom prst="bentConnector3">
+            <a:avLst>
+              <a:gd name="adj1" fmla="val 50000"/>
+            </a:avLst>
+          </a:prstGeom>
+          <a:ln w="28575">
+            <a:solidFill>
+              <a:srgbClr val="FF0000"/>
+            </a:solidFill>
+            <a:tailEnd type="triangle"/>
+          </a:ln>
+        </p:spPr>
+        <p:style>
+          <a:lnRef idx="2">
+            <a:schemeClr val="accent1"/>
+          </a:lnRef>
+          <a:fillRef idx="0">
+            <a:schemeClr val="accent1"/>
+          </a:fillRef>
+          <a:effectRef idx="1">
+            <a:schemeClr val="accent1"/>
+          </a:effectRef>
+          <a:fontRef idx="minor">
+            <a:schemeClr val="tx1"/>
+          </a:fontRef>
+        </p:style>
+      </p:cxnSp>
+      <p:sp>
+        <p:nvSpPr>
+          <p:cNvPr id="57" name="CuadroTexto 56">
+            <a:extLst>
+              <a:ext uri="{FF2B5EF4-FFF2-40B4-BE49-F238E27FC236}">
+                <a16:creationId xmlns:a16="http://schemas.microsoft.com/office/drawing/2014/main" id="{77D0D489-F9BD-3C9E-471D-6B89353D569E}"/>
+              </a:ext>
+            </a:extLst>
+          </p:cNvPr>
+          <p:cNvSpPr txBox="1"/>
+          <p:nvPr/>
+        </p:nvSpPr>
+        <p:spPr>
+          <a:xfrm>
+            <a:off x="8931279" y="814506"/>
+            <a:ext cx="1687559" cy="400110"/>
+          </a:xfrm>
+          <a:prstGeom prst="rect">
+            <a:avLst/>
+          </a:prstGeom>
+          <a:noFill/>
+          <a:ln>
+            <a:solidFill>
+              <a:schemeClr val="tx1"/>
+            </a:solidFill>
+          </a:ln>
+        </p:spPr>
+        <p:txBody>
+          <a:bodyPr wrap="square" rtlCol="0">
+            <a:spAutoFit/>
+          </a:bodyPr>
+          <a:lstStyle/>
+          <a:p>
+            <a:pPr algn="ctr"/>
+            <a:r>
+              <a:rPr lang="es-ES" sz="2000" b="1" u="sng" dirty="0" err="1"/>
+              <a:t>MainFrame</a:t>
+            </a:r>
+            <a:endParaRPr lang="es-ES" sz="2000" b="1" u="sng" dirty="0"/>
+          </a:p>
+        </p:txBody>
+      </p:sp>
+      <p:sp>
+        <p:nvSpPr>
+          <p:cNvPr id="58" name="Rectángulo 57">
+            <a:extLst>
+              <a:ext uri="{FF2B5EF4-FFF2-40B4-BE49-F238E27FC236}">
+                <a16:creationId xmlns:a16="http://schemas.microsoft.com/office/drawing/2014/main" id="{93CD29BF-A5FD-D0A0-71DC-0B607B5AF62A}"/>
+              </a:ext>
+            </a:extLst>
+          </p:cNvPr>
+          <p:cNvSpPr/>
+          <p:nvPr/>
+        </p:nvSpPr>
+        <p:spPr>
+          <a:xfrm>
+            <a:off x="7540300" y="1214616"/>
+            <a:ext cx="806246" cy="332166"/>
+          </a:xfrm>
+          <a:prstGeom prst="rect">
+            <a:avLst/>
+          </a:prstGeom>
+          <a:noFill/>
+          <a:ln w="28575">
+            <a:solidFill>
+              <a:srgbClr val="C00000"/>
+            </a:solidFill>
+          </a:ln>
+        </p:spPr>
+        <p:style>
+          <a:lnRef idx="2">
+            <a:schemeClr val="accent1">
+              <a:shade val="15000"/>
+            </a:schemeClr>
+          </a:lnRef>
+          <a:fillRef idx="1">
+            <a:schemeClr val="accent1"/>
+          </a:fillRef>
+          <a:effectRef idx="0">
+            <a:schemeClr val="accent1"/>
+          </a:effectRef>
+          <a:fontRef idx="minor">
+            <a:schemeClr val="lt1"/>
+          </a:fontRef>
+        </p:style>
+        <p:txBody>
+          <a:bodyPr rtlCol="0" anchor="ctr"/>
+          <a:lstStyle/>
+          <a:p>
+            <a:pPr algn="ctr"/>
+            <a:endParaRPr lang="es-ES" dirty="0"/>
+          </a:p>
+        </p:txBody>
+      </p:sp>
+      <p:cxnSp>
+        <p:nvCxnSpPr>
+          <p:cNvPr id="59" name="Conector: angular 58">
+            <a:extLst>
+              <a:ext uri="{FF2B5EF4-FFF2-40B4-BE49-F238E27FC236}">
+                <a16:creationId xmlns:a16="http://schemas.microsoft.com/office/drawing/2014/main" id="{C8EC27E0-CA33-7CC7-FA8F-23984D9F3191}"/>
+              </a:ext>
+            </a:extLst>
+          </p:cNvPr>
+          <p:cNvCxnSpPr>
+            <a:cxnSpLocks/>
+            <a:stCxn id="58" idx="3"/>
+            <a:endCxn id="57" idx="1"/>
+          </p:cNvCxnSpPr>
+          <p:nvPr/>
+        </p:nvCxnSpPr>
+        <p:spPr>
+          <a:xfrm flipV="1">
+            <a:off x="8346546" y="1014561"/>
+            <a:ext cx="584733" cy="366138"/>
+          </a:xfrm>
+          <a:prstGeom prst="bentConnector3">
+            <a:avLst>
+              <a:gd name="adj1" fmla="val 50000"/>
+            </a:avLst>
+          </a:prstGeom>
+          <a:ln w="28575">
+            <a:solidFill>
+              <a:srgbClr val="C00000"/>
+            </a:solidFill>
+            <a:tailEnd type="triangle"/>
+          </a:ln>
+        </p:spPr>
+        <p:style>
+          <a:lnRef idx="2">
+            <a:schemeClr val="accent1"/>
+          </a:lnRef>
+          <a:fillRef idx="0">
+            <a:schemeClr val="accent1"/>
+          </a:fillRef>
+          <a:effectRef idx="1">
+            <a:schemeClr val="accent1"/>
+          </a:effectRef>
+          <a:fontRef idx="minor">
+            <a:schemeClr val="tx1"/>
+          </a:fontRef>
+        </p:style>
+      </p:cxnSp>
+    </p:spTree>
+    <p:extLst>
+      <p:ext uri="{BB962C8B-B14F-4D97-AF65-F5344CB8AC3E}">
+        <p14:creationId xmlns:p14="http://schemas.microsoft.com/office/powerpoint/2010/main" val="1140690869"/>
+      </p:ext>
+    </p:extLst>
+  </p:cSld>
+  <p:clrMapOvr>
+    <a:masterClrMapping/>
+  </p:clrMapOvr>
+</p:sld>
+</file>
+
 <file path=ppt/slides/slide2.xml><?xml version="1.0" encoding="utf-8"?>
 <p:sld xmlns:a="http://schemas.openxmlformats.org/drawingml/2006/main" xmlns:r="http://schemas.openxmlformats.org/officeDocument/2006/relationships" xmlns:p="http://schemas.openxmlformats.org/presentationml/2006/main">
   <p:cSld>
@@ -6144,7 +6969,7 @@
         </p:nvSpPr>
         <p:spPr>
           <a:xfrm>
-            <a:off x="341753" y="912562"/>
+            <a:off x="432619" y="863076"/>
             <a:ext cx="4741525" cy="369332"/>
           </a:xfrm>
           <a:prstGeom prst="rect">
@@ -6160,173 +6985,31 @@
           <a:p>
             <a:r>
               <a:rPr lang="es-ES" dirty="0"/>
-              <a:t>DB mvc_db1 creada para realizar el ejercicio:</a:t>
-            </a:r>
-          </a:p>
-        </p:txBody>
-      </p:sp>
-      <p:cxnSp>
-        <p:nvCxnSpPr>
-          <p:cNvPr id="12" name="Conector: angular 11">
-            <a:extLst>
-              <a:ext uri="{FF2B5EF4-FFF2-40B4-BE49-F238E27FC236}">
-                <a16:creationId xmlns:a16="http://schemas.microsoft.com/office/drawing/2014/main" id="{B5785E3B-25BC-9478-AA64-8599D33632B9}"/>
-              </a:ext>
-            </a:extLst>
-          </p:cNvPr>
-          <p:cNvCxnSpPr>
-            <a:cxnSpLocks/>
-            <a:stCxn id="15" idx="2"/>
-            <a:endCxn id="14" idx="1"/>
-          </p:cNvCxnSpPr>
-          <p:nvPr/>
-        </p:nvCxnSpPr>
-        <p:spPr>
-          <a:xfrm rot="16200000" flipH="1">
-            <a:off x="2252823" y="3296191"/>
-            <a:ext cx="685860" cy="1345144"/>
-          </a:xfrm>
-          <a:prstGeom prst="bentConnector2">
+              <a:t>DB utilizada:</a:t>
+            </a:r>
+          </a:p>
+        </p:txBody>
+      </p:sp>
+      <p:sp>
+        <p:nvSpPr>
+          <p:cNvPr id="28" name="Elipse 27">
+            <a:extLst>
+              <a:ext uri="{FF2B5EF4-FFF2-40B4-BE49-F238E27FC236}">
+                <a16:creationId xmlns:a16="http://schemas.microsoft.com/office/drawing/2014/main" id="{D31AE344-8535-55C6-0F7D-AF5BF2C0D8D7}"/>
+              </a:ext>
+            </a:extLst>
+          </p:cNvPr>
+          <p:cNvSpPr/>
+          <p:nvPr/>
+        </p:nvSpPr>
+        <p:spPr>
+          <a:xfrm>
+            <a:off x="117987" y="127819"/>
+            <a:ext cx="629265" cy="629265"/>
+          </a:xfrm>
+          <a:prstGeom prst="ellipse">
             <a:avLst/>
           </a:prstGeom>
-          <a:ln w="28575">
-            <a:solidFill>
-              <a:srgbClr val="FFC000"/>
-            </a:solidFill>
-            <a:tailEnd type="triangle"/>
-          </a:ln>
-        </p:spPr>
-        <p:style>
-          <a:lnRef idx="2">
-            <a:schemeClr val="accent1"/>
-          </a:lnRef>
-          <a:fillRef idx="0">
-            <a:schemeClr val="accent1"/>
-          </a:fillRef>
-          <a:effectRef idx="1">
-            <a:schemeClr val="accent1"/>
-          </a:effectRef>
-          <a:fontRef idx="minor">
-            <a:schemeClr val="tx1"/>
-          </a:fontRef>
-        </p:style>
-      </p:cxnSp>
-      <p:pic>
-        <p:nvPicPr>
-          <p:cNvPr id="5" name="Imagen 4">
-            <a:extLst>
-              <a:ext uri="{FF2B5EF4-FFF2-40B4-BE49-F238E27FC236}">
-                <a16:creationId xmlns:a16="http://schemas.microsoft.com/office/drawing/2014/main" id="{920ABE16-5961-DF56-02E6-95435D16EEA6}"/>
-              </a:ext>
-            </a:extLst>
-          </p:cNvPr>
-          <p:cNvPicPr>
-            <a:picLocks noChangeAspect="1"/>
-          </p:cNvPicPr>
-          <p:nvPr/>
-        </p:nvPicPr>
-        <p:blipFill>
-          <a:blip r:embed="rId2"/>
-          <a:stretch>
-            <a:fillRect/>
-          </a:stretch>
-        </p:blipFill>
-        <p:spPr>
-          <a:xfrm>
-            <a:off x="892232" y="2188318"/>
-            <a:ext cx="1734930" cy="1437515"/>
-          </a:xfrm>
-          <a:prstGeom prst="rect">
-            <a:avLst/>
-          </a:prstGeom>
-        </p:spPr>
-      </p:pic>
-      <p:pic>
-        <p:nvPicPr>
-          <p:cNvPr id="11" name="Imagen 10">
-            <a:extLst>
-              <a:ext uri="{FF2B5EF4-FFF2-40B4-BE49-F238E27FC236}">
-                <a16:creationId xmlns:a16="http://schemas.microsoft.com/office/drawing/2014/main" id="{82127105-39E3-C68B-EB62-941B897FA99B}"/>
-              </a:ext>
-            </a:extLst>
-          </p:cNvPr>
-          <p:cNvPicPr>
-            <a:picLocks noChangeAspect="1"/>
-          </p:cNvPicPr>
-          <p:nvPr/>
-        </p:nvPicPr>
-        <p:blipFill>
-          <a:blip r:embed="rId3"/>
-          <a:stretch>
-            <a:fillRect/>
-          </a:stretch>
-        </p:blipFill>
-        <p:spPr>
-          <a:xfrm>
-            <a:off x="3245463" y="1354982"/>
-            <a:ext cx="1562235" cy="2141406"/>
-          </a:xfrm>
-          <a:prstGeom prst="rect">
-            <a:avLst/>
-          </a:prstGeom>
-        </p:spPr>
-      </p:pic>
-      <p:pic>
-        <p:nvPicPr>
-          <p:cNvPr id="14" name="Imagen 13">
-            <a:extLst>
-              <a:ext uri="{FF2B5EF4-FFF2-40B4-BE49-F238E27FC236}">
-                <a16:creationId xmlns:a16="http://schemas.microsoft.com/office/drawing/2014/main" id="{6206EDA6-7FFB-36C5-2555-00BABBECBC3D}"/>
-              </a:ext>
-            </a:extLst>
-          </p:cNvPr>
-          <p:cNvPicPr>
-            <a:picLocks noChangeAspect="1"/>
-          </p:cNvPicPr>
-          <p:nvPr/>
-        </p:nvPicPr>
-        <p:blipFill>
-          <a:blip r:embed="rId4"/>
-          <a:stretch>
-            <a:fillRect/>
-          </a:stretch>
-        </p:blipFill>
-        <p:spPr>
-          <a:xfrm>
-            <a:off x="3268325" y="3625833"/>
-            <a:ext cx="1539373" cy="1371719"/>
-          </a:xfrm>
-          <a:prstGeom prst="rect">
-            <a:avLst/>
-          </a:prstGeom>
-        </p:spPr>
-      </p:pic>
-      <p:sp>
-        <p:nvSpPr>
-          <p:cNvPr id="15" name="Rectángulo 14">
-            <a:extLst>
-              <a:ext uri="{FF2B5EF4-FFF2-40B4-BE49-F238E27FC236}">
-                <a16:creationId xmlns:a16="http://schemas.microsoft.com/office/drawing/2014/main" id="{47E2F656-22B0-FA01-CA6B-7EA0B5F7266A}"/>
-              </a:ext>
-            </a:extLst>
-          </p:cNvPr>
-          <p:cNvSpPr/>
-          <p:nvPr/>
-        </p:nvSpPr>
-        <p:spPr>
-          <a:xfrm>
-            <a:off x="1219200" y="3288159"/>
-            <a:ext cx="1407962" cy="337674"/>
-          </a:xfrm>
-          <a:prstGeom prst="rect">
-            <a:avLst/>
-          </a:prstGeom>
-          <a:noFill/>
-          <a:ln w="28575">
-            <a:solidFill>
-              <a:srgbClr val="FFC000"/>
-            </a:solidFill>
-          </a:ln>
         </p:spPr>
         <p:style>
           <a:lnRef idx="2">
@@ -6349,36 +7032,566 @@
           <a:lstStyle/>
           <a:p>
             <a:pPr algn="ctr"/>
-            <a:endParaRPr lang="es-ES"/>
-          </a:p>
-        </p:txBody>
-      </p:sp>
-      <p:sp>
-        <p:nvSpPr>
-          <p:cNvPr id="16" name="Rectángulo 15">
-            <a:extLst>
-              <a:ext uri="{FF2B5EF4-FFF2-40B4-BE49-F238E27FC236}">
-                <a16:creationId xmlns:a16="http://schemas.microsoft.com/office/drawing/2014/main" id="{B651E897-3902-B271-A2CE-B41DE43E5AAB}"/>
-              </a:ext>
-            </a:extLst>
-          </p:cNvPr>
-          <p:cNvSpPr/>
-          <p:nvPr/>
-        </p:nvSpPr>
-        <p:spPr>
-          <a:xfrm>
-            <a:off x="1219200" y="2882493"/>
-            <a:ext cx="1407962" cy="337674"/>
+            <a:r>
+              <a:rPr lang="es-ES" sz="3200" b="1" dirty="0"/>
+              <a:t>2</a:t>
+            </a:r>
+          </a:p>
+        </p:txBody>
+      </p:sp>
+      <p:grpSp>
+        <p:nvGrpSpPr>
+          <p:cNvPr id="41" name="Grupo 40">
+            <a:extLst>
+              <a:ext uri="{FF2B5EF4-FFF2-40B4-BE49-F238E27FC236}">
+                <a16:creationId xmlns:a16="http://schemas.microsoft.com/office/drawing/2014/main" id="{E6CCED3C-82A1-658D-513D-D57762D91F41}"/>
+              </a:ext>
+            </a:extLst>
+          </p:cNvPr>
+          <p:cNvGrpSpPr/>
+          <p:nvPr/>
+        </p:nvGrpSpPr>
+        <p:grpSpPr>
+          <a:xfrm>
+            <a:off x="432619" y="1165745"/>
+            <a:ext cx="5173745" cy="2979670"/>
+            <a:chOff x="360297" y="1461735"/>
+            <a:chExt cx="5173745" cy="2979670"/>
+          </a:xfrm>
+        </p:grpSpPr>
+        <p:pic>
+          <p:nvPicPr>
+            <p:cNvPr id="3" name="Imagen 2">
+              <a:extLst>
+                <a:ext uri="{FF2B5EF4-FFF2-40B4-BE49-F238E27FC236}">
+                  <a16:creationId xmlns:a16="http://schemas.microsoft.com/office/drawing/2014/main" id="{1F246805-43EF-C586-4F78-019B9D406E28}"/>
+                </a:ext>
+              </a:extLst>
+            </p:cNvPr>
+            <p:cNvPicPr>
+              <a:picLocks noChangeAspect="1"/>
+            </p:cNvPicPr>
+            <p:nvPr/>
+          </p:nvPicPr>
+          <p:blipFill>
+            <a:blip r:embed="rId2"/>
+            <a:stretch>
+              <a:fillRect/>
+            </a:stretch>
+          </p:blipFill>
+          <p:spPr>
+            <a:xfrm>
+              <a:off x="360297" y="1735688"/>
+              <a:ext cx="2127506" cy="1592722"/>
+            </a:xfrm>
+            <a:prstGeom prst="rect">
+              <a:avLst/>
+            </a:prstGeom>
+          </p:spPr>
+        </p:pic>
+        <p:cxnSp>
+          <p:nvCxnSpPr>
+            <p:cNvPr id="12" name="Conector: angular 11">
+              <a:extLst>
+                <a:ext uri="{FF2B5EF4-FFF2-40B4-BE49-F238E27FC236}">
+                  <a16:creationId xmlns:a16="http://schemas.microsoft.com/office/drawing/2014/main" id="{B5785E3B-25BC-9478-AA64-8599D33632B9}"/>
+                </a:ext>
+              </a:extLst>
+            </p:cNvPr>
+            <p:cNvCxnSpPr>
+              <a:cxnSpLocks/>
+              <a:stCxn id="21" idx="3"/>
+              <a:endCxn id="37" idx="1"/>
+            </p:cNvCxnSpPr>
+            <p:nvPr/>
+          </p:nvCxnSpPr>
+          <p:spPr>
+            <a:xfrm>
+              <a:off x="2318099" y="3174280"/>
+              <a:ext cx="1348881" cy="745110"/>
+            </a:xfrm>
+            <a:prstGeom prst="bentConnector3">
+              <a:avLst>
+                <a:gd name="adj1" fmla="val 50000"/>
+              </a:avLst>
+            </a:prstGeom>
+            <a:ln w="28575">
+              <a:solidFill>
+                <a:srgbClr val="FFC000"/>
+              </a:solidFill>
+              <a:tailEnd type="triangle"/>
+            </a:ln>
+          </p:spPr>
+          <p:style>
+            <a:lnRef idx="2">
+              <a:schemeClr val="accent1"/>
+            </a:lnRef>
+            <a:fillRef idx="0">
+              <a:schemeClr val="accent1"/>
+            </a:fillRef>
+            <a:effectRef idx="1">
+              <a:schemeClr val="accent1"/>
+            </a:effectRef>
+            <a:fontRef idx="minor">
+              <a:schemeClr val="tx1"/>
+            </a:fontRef>
+          </p:style>
+        </p:cxnSp>
+        <p:sp>
+          <p:nvSpPr>
+            <p:cNvPr id="15" name="Rectángulo 14">
+              <a:extLst>
+                <a:ext uri="{FF2B5EF4-FFF2-40B4-BE49-F238E27FC236}">
+                  <a16:creationId xmlns:a16="http://schemas.microsoft.com/office/drawing/2014/main" id="{47E2F656-22B0-FA01-CA6B-7EA0B5F7266A}"/>
+                </a:ext>
+              </a:extLst>
+            </p:cNvPr>
+            <p:cNvSpPr/>
+            <p:nvPr/>
+          </p:nvSpPr>
+          <p:spPr>
+            <a:xfrm>
+              <a:off x="720069" y="2711074"/>
+              <a:ext cx="1590512" cy="255365"/>
+            </a:xfrm>
+            <a:prstGeom prst="rect">
+              <a:avLst/>
+            </a:prstGeom>
+            <a:noFill/>
+            <a:ln w="28575">
+              <a:solidFill>
+                <a:srgbClr val="FFC000"/>
+              </a:solidFill>
+            </a:ln>
+          </p:spPr>
+          <p:style>
+            <a:lnRef idx="2">
+              <a:schemeClr val="accent1">
+                <a:shade val="15000"/>
+              </a:schemeClr>
+            </a:lnRef>
+            <a:fillRef idx="1">
+              <a:schemeClr val="accent1"/>
+            </a:fillRef>
+            <a:effectRef idx="0">
+              <a:schemeClr val="accent1"/>
+            </a:effectRef>
+            <a:fontRef idx="minor">
+              <a:schemeClr val="lt1"/>
+            </a:fontRef>
+          </p:style>
+          <p:txBody>
+            <a:bodyPr rtlCol="0" anchor="ctr"/>
+            <a:lstStyle/>
+            <a:p>
+              <a:pPr algn="ctr"/>
+              <a:endParaRPr lang="es-ES"/>
+            </a:p>
+          </p:txBody>
+        </p:sp>
+        <p:sp>
+          <p:nvSpPr>
+            <p:cNvPr id="16" name="Rectángulo 15">
+              <a:extLst>
+                <a:ext uri="{FF2B5EF4-FFF2-40B4-BE49-F238E27FC236}">
+                  <a16:creationId xmlns:a16="http://schemas.microsoft.com/office/drawing/2014/main" id="{B651E897-3902-B271-A2CE-B41DE43E5AAB}"/>
+                </a:ext>
+              </a:extLst>
+            </p:cNvPr>
+            <p:cNvSpPr/>
+            <p:nvPr/>
+          </p:nvSpPr>
+          <p:spPr>
+            <a:xfrm>
+              <a:off x="720069" y="2375550"/>
+              <a:ext cx="1590511" cy="255365"/>
+            </a:xfrm>
+            <a:prstGeom prst="rect">
+              <a:avLst/>
+            </a:prstGeom>
+            <a:noFill/>
+            <a:ln w="28575">
+              <a:solidFill>
+                <a:srgbClr val="FFC000"/>
+              </a:solidFill>
+            </a:ln>
+          </p:spPr>
+          <p:style>
+            <a:lnRef idx="2">
+              <a:schemeClr val="accent1">
+                <a:shade val="15000"/>
+              </a:schemeClr>
+            </a:lnRef>
+            <a:fillRef idx="1">
+              <a:schemeClr val="accent1"/>
+            </a:fillRef>
+            <a:effectRef idx="0">
+              <a:schemeClr val="accent1"/>
+            </a:effectRef>
+            <a:fontRef idx="minor">
+              <a:schemeClr val="lt1"/>
+            </a:fontRef>
+          </p:style>
+          <p:txBody>
+            <a:bodyPr rtlCol="0" anchor="ctr"/>
+            <a:lstStyle/>
+            <a:p>
+              <a:pPr algn="ctr"/>
+              <a:endParaRPr lang="es-ES" dirty="0"/>
+            </a:p>
+          </p:txBody>
+        </p:sp>
+        <p:cxnSp>
+          <p:nvCxnSpPr>
+            <p:cNvPr id="19" name="Conector: angular 18">
+              <a:extLst>
+                <a:ext uri="{FF2B5EF4-FFF2-40B4-BE49-F238E27FC236}">
+                  <a16:creationId xmlns:a16="http://schemas.microsoft.com/office/drawing/2014/main" id="{237E8B38-8CD8-5798-E464-02E666CB0FFE}"/>
+                </a:ext>
+              </a:extLst>
+            </p:cNvPr>
+            <p:cNvCxnSpPr>
+              <a:cxnSpLocks/>
+              <a:stCxn id="16" idx="3"/>
+              <a:endCxn id="26" idx="1"/>
+            </p:cNvCxnSpPr>
+            <p:nvPr/>
+          </p:nvCxnSpPr>
+          <p:spPr>
+            <a:xfrm flipV="1">
+              <a:off x="2310580" y="1850389"/>
+              <a:ext cx="1356400" cy="652844"/>
+            </a:xfrm>
+            <a:prstGeom prst="bentConnector3">
+              <a:avLst>
+                <a:gd name="adj1" fmla="val 50000"/>
+              </a:avLst>
+            </a:prstGeom>
+            <a:ln w="28575">
+              <a:solidFill>
+                <a:srgbClr val="FFC000"/>
+              </a:solidFill>
+              <a:tailEnd type="triangle"/>
+            </a:ln>
+          </p:spPr>
+          <p:style>
+            <a:lnRef idx="2">
+              <a:schemeClr val="accent1"/>
+            </a:lnRef>
+            <a:fillRef idx="0">
+              <a:schemeClr val="accent1"/>
+            </a:fillRef>
+            <a:effectRef idx="1">
+              <a:schemeClr val="accent1"/>
+            </a:effectRef>
+            <a:fontRef idx="minor">
+              <a:schemeClr val="tx1"/>
+            </a:fontRef>
+          </p:style>
+        </p:cxnSp>
+        <p:sp>
+          <p:nvSpPr>
+            <p:cNvPr id="21" name="Rectángulo 20">
+              <a:extLst>
+                <a:ext uri="{FF2B5EF4-FFF2-40B4-BE49-F238E27FC236}">
+                  <a16:creationId xmlns:a16="http://schemas.microsoft.com/office/drawing/2014/main" id="{D03EF5EE-FC55-FAE3-C211-5C430A4AFE36}"/>
+                </a:ext>
+              </a:extLst>
+            </p:cNvPr>
+            <p:cNvSpPr/>
+            <p:nvPr/>
+          </p:nvSpPr>
+          <p:spPr>
+            <a:xfrm>
+              <a:off x="727587" y="3046597"/>
+              <a:ext cx="1590512" cy="255365"/>
+            </a:xfrm>
+            <a:prstGeom prst="rect">
+              <a:avLst/>
+            </a:prstGeom>
+            <a:noFill/>
+            <a:ln w="28575">
+              <a:solidFill>
+                <a:srgbClr val="FFC000"/>
+              </a:solidFill>
+            </a:ln>
+          </p:spPr>
+          <p:style>
+            <a:lnRef idx="2">
+              <a:schemeClr val="accent1">
+                <a:shade val="15000"/>
+              </a:schemeClr>
+            </a:lnRef>
+            <a:fillRef idx="1">
+              <a:schemeClr val="accent1"/>
+            </a:fillRef>
+            <a:effectRef idx="0">
+              <a:schemeClr val="accent1"/>
+            </a:effectRef>
+            <a:fontRef idx="minor">
+              <a:schemeClr val="lt1"/>
+            </a:fontRef>
+          </p:style>
+          <p:txBody>
+            <a:bodyPr rtlCol="0" anchor="ctr"/>
+            <a:lstStyle/>
+            <a:p>
+              <a:pPr algn="ctr"/>
+              <a:endParaRPr lang="es-ES"/>
+            </a:p>
+          </p:txBody>
+        </p:sp>
+        <p:pic>
+          <p:nvPicPr>
+            <p:cNvPr id="26" name="Imagen 25">
+              <a:extLst>
+                <a:ext uri="{FF2B5EF4-FFF2-40B4-BE49-F238E27FC236}">
+                  <a16:creationId xmlns:a16="http://schemas.microsoft.com/office/drawing/2014/main" id="{9CB1886B-8785-0F6B-C71D-E89043903840}"/>
+                </a:ext>
+              </a:extLst>
+            </p:cNvPr>
+            <p:cNvPicPr>
+              <a:picLocks noChangeAspect="1"/>
+            </p:cNvPicPr>
+            <p:nvPr/>
+          </p:nvPicPr>
+          <p:blipFill>
+            <a:blip r:embed="rId3"/>
+            <a:stretch>
+              <a:fillRect/>
+            </a:stretch>
+          </p:blipFill>
+          <p:spPr>
+            <a:xfrm>
+              <a:off x="3666980" y="1461735"/>
+              <a:ext cx="1806097" cy="777307"/>
+            </a:xfrm>
+            <a:prstGeom prst="rect">
+              <a:avLst/>
+            </a:prstGeom>
+          </p:spPr>
+        </p:pic>
+        <p:pic>
+          <p:nvPicPr>
+            <p:cNvPr id="32" name="Imagen 31">
+              <a:extLst>
+                <a:ext uri="{FF2B5EF4-FFF2-40B4-BE49-F238E27FC236}">
+                  <a16:creationId xmlns:a16="http://schemas.microsoft.com/office/drawing/2014/main" id="{52F020D7-18E8-5DA5-9062-E00EDCA26518}"/>
+                </a:ext>
+              </a:extLst>
+            </p:cNvPr>
+            <p:cNvPicPr>
+              <a:picLocks noChangeAspect="1"/>
+            </p:cNvPicPr>
+            <p:nvPr/>
+          </p:nvPicPr>
+          <p:blipFill>
+            <a:blip r:embed="rId4"/>
+            <a:stretch>
+              <a:fillRect/>
+            </a:stretch>
+          </p:blipFill>
+          <p:spPr>
+            <a:xfrm>
+              <a:off x="3727945" y="2455468"/>
+              <a:ext cx="1676545" cy="762066"/>
+            </a:xfrm>
+            <a:prstGeom prst="rect">
+              <a:avLst/>
+            </a:prstGeom>
+          </p:spPr>
+        </p:pic>
+        <p:cxnSp>
+          <p:nvCxnSpPr>
+            <p:cNvPr id="34" name="Conector recto de flecha 33">
+              <a:extLst>
+                <a:ext uri="{FF2B5EF4-FFF2-40B4-BE49-F238E27FC236}">
+                  <a16:creationId xmlns:a16="http://schemas.microsoft.com/office/drawing/2014/main" id="{8F9FD8AD-D6C9-1463-1EF3-2E4E9217548E}"/>
+                </a:ext>
+              </a:extLst>
+            </p:cNvPr>
+            <p:cNvCxnSpPr>
+              <a:stCxn id="15" idx="3"/>
+              <a:endCxn id="32" idx="1"/>
+            </p:cNvCxnSpPr>
+            <p:nvPr/>
+          </p:nvCxnSpPr>
+          <p:spPr>
+            <a:xfrm flipV="1">
+              <a:off x="2310581" y="2836501"/>
+              <a:ext cx="1417364" cy="2256"/>
+            </a:xfrm>
+            <a:prstGeom prst="straightConnector1">
+              <a:avLst/>
+            </a:prstGeom>
+            <a:ln w="28575">
+              <a:solidFill>
+                <a:srgbClr val="FFC000"/>
+              </a:solidFill>
+              <a:tailEnd type="triangle"/>
+            </a:ln>
+          </p:spPr>
+          <p:style>
+            <a:lnRef idx="2">
+              <a:schemeClr val="accent1"/>
+            </a:lnRef>
+            <a:fillRef idx="0">
+              <a:schemeClr val="accent1"/>
+            </a:fillRef>
+            <a:effectRef idx="1">
+              <a:schemeClr val="accent1"/>
+            </a:effectRef>
+            <a:fontRef idx="minor">
+              <a:schemeClr val="tx1"/>
+            </a:fontRef>
+          </p:style>
+        </p:cxnSp>
+        <p:pic>
+          <p:nvPicPr>
+            <p:cNvPr id="37" name="Imagen 36">
+              <a:extLst>
+                <a:ext uri="{FF2B5EF4-FFF2-40B4-BE49-F238E27FC236}">
+                  <a16:creationId xmlns:a16="http://schemas.microsoft.com/office/drawing/2014/main" id="{CFEA0262-5C46-BA74-B75A-5CC1BB420BC6}"/>
+                </a:ext>
+              </a:extLst>
+            </p:cNvPr>
+            <p:cNvPicPr>
+              <a:picLocks noChangeAspect="1"/>
+            </p:cNvPicPr>
+            <p:nvPr/>
+          </p:nvPicPr>
+          <p:blipFill>
+            <a:blip r:embed="rId5"/>
+            <a:stretch>
+              <a:fillRect/>
+            </a:stretch>
+          </p:blipFill>
+          <p:spPr>
+            <a:xfrm>
+              <a:off x="3666980" y="3397375"/>
+              <a:ext cx="1867062" cy="1044030"/>
+            </a:xfrm>
+            <a:prstGeom prst="rect">
+              <a:avLst/>
+            </a:prstGeom>
+          </p:spPr>
+        </p:pic>
+      </p:grpSp>
+      <p:pic>
+        <p:nvPicPr>
+          <p:cNvPr id="43" name="Imagen 42">
+            <a:extLst>
+              <a:ext uri="{FF2B5EF4-FFF2-40B4-BE49-F238E27FC236}">
+                <a16:creationId xmlns:a16="http://schemas.microsoft.com/office/drawing/2014/main" id="{D429A952-2D8E-D251-587A-B995C92DEA7D}"/>
+              </a:ext>
+            </a:extLst>
+          </p:cNvPr>
+          <p:cNvPicPr>
+            <a:picLocks noChangeAspect="1"/>
+          </p:cNvPicPr>
+          <p:nvPr/>
+        </p:nvPicPr>
+        <p:blipFill>
+          <a:blip r:embed="rId6"/>
+          <a:stretch>
+            <a:fillRect/>
+          </a:stretch>
+        </p:blipFill>
+        <p:spPr>
+          <a:xfrm>
+            <a:off x="6585638" y="1232408"/>
+            <a:ext cx="2554525" cy="5508195"/>
           </a:xfrm>
           <a:prstGeom prst="rect">
             <a:avLst/>
           </a:prstGeom>
+        </p:spPr>
+      </p:pic>
+      <p:sp>
+        <p:nvSpPr>
+          <p:cNvPr id="44" name="CuadroTexto 43">
+            <a:extLst>
+              <a:ext uri="{FF2B5EF4-FFF2-40B4-BE49-F238E27FC236}">
+                <a16:creationId xmlns:a16="http://schemas.microsoft.com/office/drawing/2014/main" id="{8BFA1168-CEEE-E389-E931-71C98BE96A08}"/>
+              </a:ext>
+            </a:extLst>
+          </p:cNvPr>
+          <p:cNvSpPr txBox="1"/>
+          <p:nvPr/>
+        </p:nvSpPr>
+        <p:spPr>
+          <a:xfrm>
+            <a:off x="6432159" y="863076"/>
+            <a:ext cx="4741525" cy="369332"/>
+          </a:xfrm>
+          <a:prstGeom prst="rect">
+            <a:avLst/>
+          </a:prstGeom>
           <a:noFill/>
-          <a:ln w="28575">
-            <a:solidFill>
-              <a:srgbClr val="FFC000"/>
-            </a:solidFill>
-          </a:ln>
+        </p:spPr>
+        <p:txBody>
+          <a:bodyPr wrap="square" rtlCol="0">
+            <a:spAutoFit/>
+          </a:bodyPr>
+          <a:lstStyle/>
+          <a:p>
+            <a:r>
+              <a:rPr lang="es-ES" dirty="0"/>
+              <a:t>Estructura del proyecto y archivos generados:</a:t>
+            </a:r>
+          </a:p>
+        </p:txBody>
+      </p:sp>
+    </p:spTree>
+    <p:extLst>
+      <p:ext uri="{BB962C8B-B14F-4D97-AF65-F5344CB8AC3E}">
+        <p14:creationId xmlns:p14="http://schemas.microsoft.com/office/powerpoint/2010/main" val="3468661899"/>
+      </p:ext>
+    </p:extLst>
+  </p:cSld>
+  <p:clrMapOvr>
+    <a:masterClrMapping/>
+  </p:clrMapOvr>
+</p:sld>
+</file>
+
+<file path=ppt/slides/slide9.xml><?xml version="1.0" encoding="utf-8"?>
+<p:sld xmlns:a="http://schemas.openxmlformats.org/drawingml/2006/main" xmlns:r="http://schemas.openxmlformats.org/officeDocument/2006/relationships" xmlns:p="http://schemas.openxmlformats.org/presentationml/2006/main">
+  <p:cSld>
+    <p:spTree>
+      <p:nvGrpSpPr>
+        <p:cNvPr id="1" name=""/>
+        <p:cNvGrpSpPr/>
+        <p:nvPr/>
+      </p:nvGrpSpPr>
+      <p:grpSpPr>
+        <a:xfrm>
+          <a:off x="0" y="0"/>
+          <a:ext cx="0" cy="0"/>
+          <a:chOff x="0" y="0"/>
+          <a:chExt cx="0" cy="0"/>
+        </a:xfrm>
+      </p:grpSpPr>
+      <p:sp>
+        <p:nvSpPr>
+          <p:cNvPr id="2" name="Elipse 1">
+            <a:extLst>
+              <a:ext uri="{FF2B5EF4-FFF2-40B4-BE49-F238E27FC236}">
+                <a16:creationId xmlns:a16="http://schemas.microsoft.com/office/drawing/2014/main" id="{40F19A1A-1522-FA9F-F64F-FBE86A65FE3B}"/>
+              </a:ext>
+            </a:extLst>
+          </p:cNvPr>
+          <p:cNvSpPr/>
+          <p:nvPr/>
+        </p:nvSpPr>
+        <p:spPr>
+          <a:xfrm>
+            <a:off x="11322870" y="142839"/>
+            <a:ext cx="629265" cy="629265"/>
+          </a:xfrm>
+          <a:prstGeom prst="ellipse">
+            <a:avLst/>
+          </a:prstGeom>
         </p:spPr>
         <p:style>
           <a:lnRef idx="2">
@@ -6401,41 +7614,369 @@
           <a:lstStyle/>
           <a:p>
             <a:pPr algn="ctr"/>
-            <a:endParaRPr lang="es-ES"/>
-          </a:p>
-        </p:txBody>
-      </p:sp>
-      <p:cxnSp>
-        <p:nvCxnSpPr>
-          <p:cNvPr id="19" name="Conector: angular 18">
-            <a:extLst>
-              <a:ext uri="{FF2B5EF4-FFF2-40B4-BE49-F238E27FC236}">
-                <a16:creationId xmlns:a16="http://schemas.microsoft.com/office/drawing/2014/main" id="{237E8B38-8CD8-5798-E464-02E666CB0FFE}"/>
-              </a:ext>
-            </a:extLst>
-          </p:cNvPr>
-          <p:cNvCxnSpPr>
-            <a:cxnSpLocks/>
-            <a:stCxn id="16" idx="3"/>
-            <a:endCxn id="11" idx="1"/>
-          </p:cNvCxnSpPr>
-          <p:nvPr/>
-        </p:nvCxnSpPr>
-        <p:spPr>
-          <a:xfrm flipV="1">
-            <a:off x="2627162" y="2425685"/>
-            <a:ext cx="618301" cy="625645"/>
-          </a:xfrm>
-          <a:prstGeom prst="bentConnector3">
+            <a:r>
+              <a:rPr lang="es-ES" sz="3200" b="1" dirty="0"/>
+              <a:t>2</a:t>
+            </a:r>
+          </a:p>
+        </p:txBody>
+      </p:sp>
+      <p:grpSp>
+        <p:nvGrpSpPr>
+          <p:cNvPr id="17" name="Grupo 16">
+            <a:extLst>
+              <a:ext uri="{FF2B5EF4-FFF2-40B4-BE49-F238E27FC236}">
+                <a16:creationId xmlns:a16="http://schemas.microsoft.com/office/drawing/2014/main" id="{DEA659E2-4129-737A-5B77-23D3959606B3}"/>
+              </a:ext>
+            </a:extLst>
+          </p:cNvPr>
+          <p:cNvGrpSpPr/>
+          <p:nvPr/>
+        </p:nvGrpSpPr>
+        <p:grpSpPr>
+          <a:xfrm>
+            <a:off x="456176" y="1278195"/>
+            <a:ext cx="4833579" cy="3598606"/>
+            <a:chOff x="485673" y="1414834"/>
+            <a:chExt cx="4152516" cy="3302335"/>
+          </a:xfrm>
+        </p:grpSpPr>
+        <p:grpSp>
+          <p:nvGrpSpPr>
+            <p:cNvPr id="10" name="Grupo 9">
+              <a:extLst>
+                <a:ext uri="{FF2B5EF4-FFF2-40B4-BE49-F238E27FC236}">
+                  <a16:creationId xmlns:a16="http://schemas.microsoft.com/office/drawing/2014/main" id="{53B6EB33-521E-5C1D-3145-D3924BD77D40}"/>
+                </a:ext>
+              </a:extLst>
+            </p:cNvPr>
+            <p:cNvGrpSpPr/>
+            <p:nvPr/>
+          </p:nvGrpSpPr>
+          <p:grpSpPr>
+            <a:xfrm>
+              <a:off x="485673" y="1414834"/>
+              <a:ext cx="3787468" cy="3302335"/>
+              <a:chOff x="554498" y="1138533"/>
+              <a:chExt cx="3787468" cy="3302335"/>
+            </a:xfrm>
+          </p:grpSpPr>
+          <p:pic>
+            <p:nvPicPr>
+              <p:cNvPr id="7" name="Imagen 6">
+                <a:extLst>
+                  <a:ext uri="{FF2B5EF4-FFF2-40B4-BE49-F238E27FC236}">
+                    <a16:creationId xmlns:a16="http://schemas.microsoft.com/office/drawing/2014/main" id="{E447921F-CF5C-1A3F-2F2C-112B1013F04E}"/>
+                  </a:ext>
+                </a:extLst>
+              </p:cNvPr>
+              <p:cNvPicPr>
+                <a:picLocks noChangeAspect="1"/>
+              </p:cNvPicPr>
+              <p:nvPr/>
+            </p:nvPicPr>
+            <p:blipFill>
+              <a:blip r:embed="rId2"/>
+              <a:stretch>
+                <a:fillRect/>
+              </a:stretch>
+            </p:blipFill>
+            <p:spPr>
+              <a:xfrm>
+                <a:off x="554498" y="1453569"/>
+                <a:ext cx="3787468" cy="2987299"/>
+              </a:xfrm>
+              <a:prstGeom prst="rect">
+                <a:avLst/>
+              </a:prstGeom>
+            </p:spPr>
+          </p:pic>
+          <p:sp>
+            <p:nvSpPr>
+              <p:cNvPr id="9" name="CuadroTexto 8">
+                <a:extLst>
+                  <a:ext uri="{FF2B5EF4-FFF2-40B4-BE49-F238E27FC236}">
+                    <a16:creationId xmlns:a16="http://schemas.microsoft.com/office/drawing/2014/main" id="{7FC97B2D-91BD-7270-A10A-C6838F7DAA77}"/>
+                  </a:ext>
+                </a:extLst>
+              </p:cNvPr>
+              <p:cNvSpPr txBox="1"/>
+              <p:nvPr/>
+            </p:nvSpPr>
+            <p:spPr>
+              <a:xfrm>
+                <a:off x="1196839" y="1138533"/>
+                <a:ext cx="2502786" cy="400110"/>
+              </a:xfrm>
+              <a:prstGeom prst="rect">
+                <a:avLst/>
+              </a:prstGeom>
+              <a:noFill/>
+            </p:spPr>
+            <p:txBody>
+              <a:bodyPr wrap="square" rtlCol="0">
+                <a:spAutoFit/>
+              </a:bodyPr>
+              <a:lstStyle/>
+              <a:p>
+                <a:pPr algn="ctr"/>
+                <a:r>
+                  <a:rPr lang="es-ES" sz="2000" b="1" u="sng" dirty="0" err="1"/>
+                  <a:t>MainFrame</a:t>
+                </a:r>
+                <a:endParaRPr lang="es-ES" sz="2000" b="1" u="sng" dirty="0"/>
+              </a:p>
+            </p:txBody>
+          </p:sp>
+        </p:grpSp>
+        <p:sp>
+          <p:nvSpPr>
+            <p:cNvPr id="11" name="Cerrar llave 10">
+              <a:extLst>
+                <a:ext uri="{FF2B5EF4-FFF2-40B4-BE49-F238E27FC236}">
+                  <a16:creationId xmlns:a16="http://schemas.microsoft.com/office/drawing/2014/main" id="{21E5CE03-1490-853E-5E4A-70410F703FE6}"/>
+                </a:ext>
+              </a:extLst>
+            </p:cNvPr>
+            <p:cNvSpPr/>
+            <p:nvPr/>
+          </p:nvSpPr>
+          <p:spPr>
+            <a:xfrm>
+              <a:off x="4313246" y="2172929"/>
+              <a:ext cx="324943" cy="757084"/>
+            </a:xfrm>
+            <a:prstGeom prst="rightBrace">
+              <a:avLst>
+                <a:gd name="adj1" fmla="val 66568"/>
+                <a:gd name="adj2" fmla="val 50000"/>
+              </a:avLst>
+            </a:prstGeom>
+            <a:ln w="28575">
+              <a:solidFill>
+                <a:srgbClr val="FFC000"/>
+              </a:solidFill>
+            </a:ln>
+          </p:spPr>
+          <p:style>
+            <a:lnRef idx="2">
+              <a:schemeClr val="accent1"/>
+            </a:lnRef>
+            <a:fillRef idx="0">
+              <a:schemeClr val="accent1"/>
+            </a:fillRef>
+            <a:effectRef idx="1">
+              <a:schemeClr val="accent1"/>
+            </a:effectRef>
+            <a:fontRef idx="minor">
+              <a:schemeClr val="tx1"/>
+            </a:fontRef>
+          </p:style>
+          <p:txBody>
+            <a:bodyPr rtlCol="0" anchor="ctr"/>
+            <a:lstStyle/>
+            <a:p>
+              <a:pPr algn="ctr"/>
+              <a:endParaRPr lang="es-ES"/>
+            </a:p>
+          </p:txBody>
+        </p:sp>
+      </p:grpSp>
+      <p:grpSp>
+        <p:nvGrpSpPr>
+          <p:cNvPr id="14" name="Grupo 13">
+            <a:extLst>
+              <a:ext uri="{FF2B5EF4-FFF2-40B4-BE49-F238E27FC236}">
+                <a16:creationId xmlns:a16="http://schemas.microsoft.com/office/drawing/2014/main" id="{8D3166CE-AB43-EB66-CA4D-217C67188DDB}"/>
+              </a:ext>
+            </a:extLst>
+          </p:cNvPr>
+          <p:cNvGrpSpPr/>
+          <p:nvPr/>
+        </p:nvGrpSpPr>
+        <p:grpSpPr>
+          <a:xfrm>
+            <a:off x="5762726" y="869144"/>
+            <a:ext cx="5023926" cy="2006792"/>
+            <a:chOff x="5251449" y="614903"/>
+            <a:chExt cx="5023926" cy="2006792"/>
+          </a:xfrm>
+        </p:grpSpPr>
+        <p:pic>
+          <p:nvPicPr>
+            <p:cNvPr id="5" name="Imagen 4">
+              <a:extLst>
+                <a:ext uri="{FF2B5EF4-FFF2-40B4-BE49-F238E27FC236}">
+                  <a16:creationId xmlns:a16="http://schemas.microsoft.com/office/drawing/2014/main" id="{2A433EEB-84C3-0257-61AC-22D369DF2109}"/>
+                </a:ext>
+              </a:extLst>
+            </p:cNvPr>
+            <p:cNvPicPr>
+              <a:picLocks noChangeAspect="1"/>
+            </p:cNvPicPr>
+            <p:nvPr/>
+          </p:nvPicPr>
+          <p:blipFill rotWithShape="1">
+            <a:blip r:embed="rId3"/>
+            <a:srcRect b="41968"/>
+            <a:stretch/>
+          </p:blipFill>
+          <p:spPr>
+            <a:xfrm>
+              <a:off x="5645579" y="614903"/>
+              <a:ext cx="4629796" cy="2006792"/>
+            </a:xfrm>
+            <a:prstGeom prst="rect">
+              <a:avLst/>
+            </a:prstGeom>
+          </p:spPr>
+        </p:pic>
+        <p:sp>
+          <p:nvSpPr>
+            <p:cNvPr id="13" name="Cerrar llave 12">
+              <a:extLst>
+                <a:ext uri="{FF2B5EF4-FFF2-40B4-BE49-F238E27FC236}">
+                  <a16:creationId xmlns:a16="http://schemas.microsoft.com/office/drawing/2014/main" id="{797C71F7-6A37-6506-0ACC-3FBA8E314A1C}"/>
+                </a:ext>
+              </a:extLst>
+            </p:cNvPr>
+            <p:cNvSpPr/>
+            <p:nvPr/>
+          </p:nvSpPr>
+          <p:spPr>
+            <a:xfrm rot="10800000">
+              <a:off x="5251449" y="1922207"/>
+              <a:ext cx="324943" cy="699488"/>
+            </a:xfrm>
+            <a:prstGeom prst="rightBrace">
+              <a:avLst>
+                <a:gd name="adj1" fmla="val 59772"/>
+                <a:gd name="adj2" fmla="val 50000"/>
+              </a:avLst>
+            </a:prstGeom>
+            <a:ln w="28575">
+              <a:solidFill>
+                <a:srgbClr val="FFC000"/>
+              </a:solidFill>
+            </a:ln>
+          </p:spPr>
+          <p:style>
+            <a:lnRef idx="2">
+              <a:schemeClr val="accent1"/>
+            </a:lnRef>
+            <a:fillRef idx="0">
+              <a:schemeClr val="accent1"/>
+            </a:fillRef>
+            <a:effectRef idx="1">
+              <a:schemeClr val="accent1"/>
+            </a:effectRef>
+            <a:fontRef idx="minor">
+              <a:schemeClr val="tx1"/>
+            </a:fontRef>
+          </p:style>
+          <p:txBody>
+            <a:bodyPr rtlCol="0" anchor="ctr"/>
+            <a:lstStyle/>
+            <a:p>
+              <a:pPr algn="ctr"/>
+              <a:endParaRPr lang="es-ES"/>
+            </a:p>
+          </p:txBody>
+        </p:sp>
+      </p:grpSp>
+      <p:sp>
+        <p:nvSpPr>
+          <p:cNvPr id="18" name="CuadroTexto 17">
+            <a:extLst>
+              <a:ext uri="{FF2B5EF4-FFF2-40B4-BE49-F238E27FC236}">
+                <a16:creationId xmlns:a16="http://schemas.microsoft.com/office/drawing/2014/main" id="{D845F40C-E338-9D3B-7110-36F5F4D4262D}"/>
+              </a:ext>
+            </a:extLst>
+          </p:cNvPr>
+          <p:cNvSpPr txBox="1"/>
+          <p:nvPr/>
+        </p:nvSpPr>
+        <p:spPr>
+          <a:xfrm>
+            <a:off x="7108140" y="469034"/>
+            <a:ext cx="2913273" cy="400110"/>
+          </a:xfrm>
+          <a:prstGeom prst="rect">
+            <a:avLst/>
+          </a:prstGeom>
+          <a:noFill/>
+        </p:spPr>
+        <p:txBody>
+          <a:bodyPr wrap="square" rtlCol="0">
+            <a:spAutoFit/>
+          </a:bodyPr>
+          <a:lstStyle/>
+          <a:p>
+            <a:pPr algn="ctr"/>
+            <a:r>
+              <a:rPr lang="es-ES" sz="2000" b="1" u="sng" dirty="0"/>
+              <a:t>Selector de tablas (DB)</a:t>
+            </a:r>
+          </a:p>
+        </p:txBody>
+      </p:sp>
+      <p:pic>
+        <p:nvPicPr>
+          <p:cNvPr id="22" name="Imagen 21">
+            <a:extLst>
+              <a:ext uri="{FF2B5EF4-FFF2-40B4-BE49-F238E27FC236}">
+                <a16:creationId xmlns:a16="http://schemas.microsoft.com/office/drawing/2014/main" id="{CFDB53D5-DDDF-89B0-24BF-72BED63615F7}"/>
+              </a:ext>
+            </a:extLst>
+          </p:cNvPr>
+          <p:cNvPicPr>
+            <a:picLocks noChangeAspect="1"/>
+          </p:cNvPicPr>
+          <p:nvPr/>
+        </p:nvPicPr>
+        <p:blipFill>
+          <a:blip r:embed="rId4"/>
+          <a:stretch>
+            <a:fillRect/>
+          </a:stretch>
+        </p:blipFill>
+        <p:spPr>
+          <a:xfrm>
+            <a:off x="6308502" y="3332475"/>
+            <a:ext cx="4560305" cy="1544326"/>
+          </a:xfrm>
+          <a:prstGeom prst="rect">
+            <a:avLst/>
+          </a:prstGeom>
+        </p:spPr>
+      </p:pic>
+      <p:sp>
+        <p:nvSpPr>
+          <p:cNvPr id="23" name="Cerrar llave 22">
+            <a:extLst>
+              <a:ext uri="{FF2B5EF4-FFF2-40B4-BE49-F238E27FC236}">
+                <a16:creationId xmlns:a16="http://schemas.microsoft.com/office/drawing/2014/main" id="{E6BF6E54-7E70-512E-0893-CA1D2B032328}"/>
+              </a:ext>
+            </a:extLst>
+          </p:cNvPr>
+          <p:cNvSpPr/>
+          <p:nvPr/>
+        </p:nvSpPr>
+        <p:spPr>
+          <a:xfrm>
+            <a:off x="4911517" y="3016497"/>
+            <a:ext cx="378238" cy="825006"/>
+          </a:xfrm>
+          <a:prstGeom prst="rightBrace">
             <a:avLst>
-              <a:gd name="adj1" fmla="val 50000"/>
+              <a:gd name="adj1" fmla="val 66568"/>
+              <a:gd name="adj2" fmla="val 50000"/>
             </a:avLst>
           </a:prstGeom>
           <a:ln w="28575">
             <a:solidFill>
-              <a:srgbClr val="FFC000"/>
+              <a:srgbClr val="00B0F0"/>
             </a:solidFill>
-            <a:tailEnd type="triangle"/>
           </a:ln>
         </p:spPr>
         <p:style>
@@ -6452,43 +7993,73 @@
             <a:schemeClr val="tx1"/>
           </a:fontRef>
         </p:style>
-      </p:cxnSp>
-      <p:pic>
-        <p:nvPicPr>
-          <p:cNvPr id="24" name="Imagen 23">
-            <a:extLst>
-              <a:ext uri="{FF2B5EF4-FFF2-40B4-BE49-F238E27FC236}">
-                <a16:creationId xmlns:a16="http://schemas.microsoft.com/office/drawing/2014/main" id="{77438F0E-A601-2DA7-ECCE-375D2295C909}"/>
-              </a:ext>
-            </a:extLst>
-          </p:cNvPr>
-          <p:cNvPicPr>
-            <a:picLocks noChangeAspect="1"/>
-          </p:cNvPicPr>
-          <p:nvPr/>
-        </p:nvPicPr>
-        <p:blipFill>
-          <a:blip r:embed="rId5"/>
-          <a:stretch>
-            <a:fillRect/>
-          </a:stretch>
-        </p:blipFill>
-        <p:spPr>
-          <a:xfrm>
-            <a:off x="5285193" y="1467418"/>
-            <a:ext cx="6726059" cy="3490373"/>
-          </a:xfrm>
-          <a:prstGeom prst="rect">
-            <a:avLst/>
-          </a:prstGeom>
-        </p:spPr>
-      </p:pic>
+        <p:txBody>
+          <a:bodyPr rtlCol="0" anchor="ctr"/>
+          <a:lstStyle/>
+          <a:p>
+            <a:pPr algn="ctr"/>
+            <a:endParaRPr lang="es-ES"/>
+          </a:p>
+        </p:txBody>
+      </p:sp>
+      <p:sp>
+        <p:nvSpPr>
+          <p:cNvPr id="24" name="Cerrar llave 23">
+            <a:extLst>
+              <a:ext uri="{FF2B5EF4-FFF2-40B4-BE49-F238E27FC236}">
+                <a16:creationId xmlns:a16="http://schemas.microsoft.com/office/drawing/2014/main" id="{2A21A16A-265E-426C-BA5F-F7A976C39BCA}"/>
+              </a:ext>
+            </a:extLst>
+          </p:cNvPr>
+          <p:cNvSpPr/>
+          <p:nvPr/>
+        </p:nvSpPr>
+        <p:spPr>
+          <a:xfrm rot="10800000">
+            <a:off x="5906881" y="3429000"/>
+            <a:ext cx="378238" cy="1369142"/>
+          </a:xfrm>
+          <a:prstGeom prst="rightBrace">
+            <a:avLst>
+              <a:gd name="adj1" fmla="val 66568"/>
+              <a:gd name="adj2" fmla="val 50000"/>
+            </a:avLst>
+          </a:prstGeom>
+          <a:ln w="28575">
+            <a:solidFill>
+              <a:srgbClr val="00B0F0"/>
+            </a:solidFill>
+          </a:ln>
+        </p:spPr>
+        <p:style>
+          <a:lnRef idx="2">
+            <a:schemeClr val="accent1"/>
+          </a:lnRef>
+          <a:fillRef idx="0">
+            <a:schemeClr val="accent1"/>
+          </a:fillRef>
+          <a:effectRef idx="1">
+            <a:schemeClr val="accent1"/>
+          </a:effectRef>
+          <a:fontRef idx="minor">
+            <a:schemeClr val="tx1"/>
+          </a:fontRef>
+        </p:style>
+        <p:txBody>
+          <a:bodyPr rtlCol="0" anchor="ctr"/>
+          <a:lstStyle/>
+          <a:p>
+            <a:pPr algn="ctr"/>
+            <a:endParaRPr lang="es-ES"/>
+          </a:p>
+        </p:txBody>
+      </p:sp>
       <p:sp>
         <p:nvSpPr>
           <p:cNvPr id="25" name="CuadroTexto 24">
             <a:extLst>
               <a:ext uri="{FF2B5EF4-FFF2-40B4-BE49-F238E27FC236}">
-                <a16:creationId xmlns:a16="http://schemas.microsoft.com/office/drawing/2014/main" id="{3B6FC72E-0079-84D1-513C-BBFF988AC2EC}"/>
+                <a16:creationId xmlns:a16="http://schemas.microsoft.com/office/drawing/2014/main" id="{7AD62EE5-8B95-FC8F-3A14-DBE95ABB6B42}"/>
               </a:ext>
             </a:extLst>
           </p:cNvPr>
@@ -6497,8 +8068,8 @@
         </p:nvSpPr>
         <p:spPr>
           <a:xfrm>
-            <a:off x="5226200" y="905000"/>
-            <a:ext cx="4741525" cy="369332"/>
+            <a:off x="6538453" y="3075991"/>
+            <a:ext cx="4080386" cy="400110"/>
           </a:xfrm>
           <a:prstGeom prst="rect">
             <a:avLst/>
@@ -6511,137 +8082,10 @@
           </a:bodyPr>
           <a:lstStyle/>
           <a:p>
-            <a:r>
-              <a:rPr lang="es-ES" dirty="0"/>
-              <a:t>Controlador para la conexión con la DB:</a:t>
-            </a:r>
-          </a:p>
-        </p:txBody>
-      </p:sp>
-      <p:pic>
-        <p:nvPicPr>
-          <p:cNvPr id="27" name="Imagen 26">
-            <a:extLst>
-              <a:ext uri="{FF2B5EF4-FFF2-40B4-BE49-F238E27FC236}">
-                <a16:creationId xmlns:a16="http://schemas.microsoft.com/office/drawing/2014/main" id="{C694AD95-869B-2F4D-CFB2-402E24BF41BD}"/>
-              </a:ext>
-            </a:extLst>
-          </p:cNvPr>
-          <p:cNvPicPr>
-            <a:picLocks noChangeAspect="1"/>
-          </p:cNvPicPr>
-          <p:nvPr/>
-        </p:nvPicPr>
-        <p:blipFill>
-          <a:blip r:embed="rId6"/>
-          <a:stretch>
-            <a:fillRect/>
-          </a:stretch>
-        </p:blipFill>
-        <p:spPr>
-          <a:xfrm>
-            <a:off x="7880613" y="4997552"/>
-            <a:ext cx="4130639" cy="1700852"/>
-          </a:xfrm>
-          <a:prstGeom prst="rect">
-            <a:avLst/>
-          </a:prstGeom>
-        </p:spPr>
-      </p:pic>
-      <p:sp>
-        <p:nvSpPr>
-          <p:cNvPr id="28" name="Elipse 27">
-            <a:extLst>
-              <a:ext uri="{FF2B5EF4-FFF2-40B4-BE49-F238E27FC236}">
-                <a16:creationId xmlns:a16="http://schemas.microsoft.com/office/drawing/2014/main" id="{D31AE344-8535-55C6-0F7D-AF5BF2C0D8D7}"/>
-              </a:ext>
-            </a:extLst>
-          </p:cNvPr>
-          <p:cNvSpPr/>
-          <p:nvPr/>
-        </p:nvSpPr>
-        <p:spPr>
-          <a:xfrm>
-            <a:off x="117987" y="127819"/>
-            <a:ext cx="629265" cy="629265"/>
-          </a:xfrm>
-          <a:prstGeom prst="ellipse">
-            <a:avLst/>
-          </a:prstGeom>
-        </p:spPr>
-        <p:style>
-          <a:lnRef idx="2">
-            <a:schemeClr val="accent1">
-              <a:shade val="15000"/>
-            </a:schemeClr>
-          </a:lnRef>
-          <a:fillRef idx="1">
-            <a:schemeClr val="accent1"/>
-          </a:fillRef>
-          <a:effectRef idx="0">
-            <a:schemeClr val="accent1"/>
-          </a:effectRef>
-          <a:fontRef idx="minor">
-            <a:schemeClr val="lt1"/>
-          </a:fontRef>
-        </p:style>
-        <p:txBody>
-          <a:bodyPr rtlCol="0" anchor="ctr"/>
-          <a:lstStyle/>
-          <a:p>
             <a:pPr algn="ctr"/>
             <a:r>
-              <a:rPr lang="es-ES" sz="3200" b="1" dirty="0"/>
-              <a:t>2</a:t>
-            </a:r>
-          </a:p>
-        </p:txBody>
-      </p:sp>
-      <p:sp>
-        <p:nvSpPr>
-          <p:cNvPr id="29" name="CuadroTexto 28">
-            <a:extLst>
-              <a:ext uri="{FF2B5EF4-FFF2-40B4-BE49-F238E27FC236}">
-                <a16:creationId xmlns:a16="http://schemas.microsoft.com/office/drawing/2014/main" id="{F2918F20-A593-29E5-EFA3-D66603260A8F}"/>
-              </a:ext>
-            </a:extLst>
-          </p:cNvPr>
-          <p:cNvSpPr txBox="1"/>
-          <p:nvPr/>
-        </p:nvSpPr>
-        <p:spPr>
-          <a:xfrm>
-            <a:off x="586562" y="5264050"/>
-            <a:ext cx="7010400" cy="1200329"/>
-          </a:xfrm>
-          <a:prstGeom prst="rect">
-            <a:avLst/>
-          </a:prstGeom>
-          <a:noFill/>
-          <a:ln>
-            <a:solidFill>
-              <a:schemeClr val="tx1"/>
-            </a:solidFill>
-          </a:ln>
-        </p:spPr>
-        <p:txBody>
-          <a:bodyPr wrap="square" rtlCol="0">
-            <a:spAutoFit/>
-          </a:bodyPr>
-          <a:lstStyle/>
-          <a:p>
-            <a:r>
-              <a:rPr lang="es-ES" dirty="0"/>
-              <a:t>A partir de las necesidades del enunciado se crea la base de datos necesaria para la gestión de los datos.</a:t>
-            </a:r>
-          </a:p>
-          <a:p>
-            <a:endParaRPr lang="es-ES" dirty="0"/>
-          </a:p>
-          <a:p>
-            <a:r>
-              <a:rPr lang="es-ES" dirty="0"/>
-              <a:t>Establecemos la conexión a la DB con el controlador apropiado.</a:t>
+              <a:rPr lang="es-ES" sz="2000" b="1" u="sng" dirty="0"/>
+              <a:t>Selector acciones a realizar</a:t>
             </a:r>
           </a:p>
         </p:txBody>
@@ -6649,7 +8093,7 @@
     </p:spTree>
     <p:extLst>
       <p:ext uri="{BB962C8B-B14F-4D97-AF65-F5344CB8AC3E}">
-        <p14:creationId xmlns:p14="http://schemas.microsoft.com/office/powerpoint/2010/main" val="3468661899"/>
+        <p14:creationId xmlns:p14="http://schemas.microsoft.com/office/powerpoint/2010/main" val="1243222779"/>
       </p:ext>
     </p:extLst>
   </p:cSld>
